--- a/slides/10_ensemble_methods_and_neural_networks.pptx
+++ b/slides/10_ensemble_methods_and_neural_networks.pptx
@@ -262,7 +262,7 @@
           <a:p>
             <a:fld id="{DB92F479-4B50-F243-9713-1B12EC2B4BDB}" type="datetimeFigureOut">
               <a:rPr lang="en-US" smtClean="0"/>
-              <a:t>2/22/15</a:t>
+              <a:t>2/24/15</a:t>
             </a:fld>
             <a:endParaRPr lang="en-US"/>
           </a:p>
@@ -13616,11 +13616,6 @@
               </a:rPr>
               <a:t>ENSEMBLE METHODS AND NEURAL NETWORKS</a:t>
             </a:r>
-            <a:endParaRPr lang="en-US" cap="none" dirty="0">
-              <a:latin typeface="PFDinTextCompPro-Bold" charset="0"/>
-              <a:ea typeface="ヒラギノ角ゴ ProN W3" charset="0"/>
-              <a:cs typeface="ヒラギノ角ゴ ProN W3" charset="0"/>
-            </a:endParaRPr>
           </a:p>
         </p:txBody>
       </p:sp>
@@ -15324,14 +15319,7 @@
                 <a:latin typeface=""/>
                 <a:cs typeface=""/>
               </a:rPr>
-              <a:t>is the percentage of the overall data each tree is trained on.  A typical subsampling rate is </a:t>
-            </a:r>
-            <a:r>
-              <a:rPr lang="en-US" sz="1800" dirty="0" smtClean="0">
-                <a:latin typeface=""/>
-                <a:cs typeface=""/>
-              </a:rPr>
-              <a:t>0.5.</a:t>
+              <a:t>is the percentage of the overall data each tree is trained on.  A typical subsampling rate is 0.5.</a:t>
             </a:r>
             <a:endParaRPr lang="en-US" sz="1800" b="1" dirty="0" smtClean="0">
               <a:latin typeface=""/>
@@ -17281,14 +17269,7 @@
                 <a:latin typeface=""/>
                 <a:cs typeface=""/>
               </a:rPr>
-              <a:t>Let’s </a:t>
-            </a:r>
-            <a:r>
-              <a:rPr lang="en-US" sz="1800" dirty="0" smtClean="0">
-                <a:latin typeface=""/>
-                <a:cs typeface=""/>
-              </a:rPr>
-              <a:t>return to your Hall of Fame dataset and do the following:</a:t>
+              <a:t>Let’s return to your Hall of Fame dataset and do the following:</a:t>
             </a:r>
           </a:p>
           <a:p>
@@ -17327,21 +17308,7 @@
                 <a:latin typeface=""/>
                 <a:cs typeface=""/>
               </a:rPr>
-              <a:t>Use </a:t>
-            </a:r>
-            <a:r>
-              <a:rPr lang="en-US" sz="1800" dirty="0" smtClean="0">
-                <a:latin typeface=""/>
-                <a:cs typeface=""/>
-              </a:rPr>
-              <a:t>grid search to find the best parameters for </a:t>
-            </a:r>
-            <a:r>
-              <a:rPr lang="en-US" sz="1800" dirty="0" smtClean="0">
-                <a:latin typeface=""/>
-                <a:cs typeface=""/>
-              </a:rPr>
-              <a:t>n-estimators.</a:t>
+              <a:t>Use grid search to find the best parameters for n-estimators.</a:t>
             </a:r>
           </a:p>
           <a:p>
@@ -17386,10 +17353,6 @@
               </a:rPr>
               <a:t>Print out of sample accuracy. Compare it to random forest accuracy.</a:t>
             </a:r>
-            <a:endParaRPr lang="en-US" sz="1800" dirty="0" smtClean="0">
-              <a:latin typeface=""/>
-              <a:cs typeface=""/>
-            </a:endParaRPr>
           </a:p>
           <a:p>
             <a:pPr marL="671513" lvl="1" indent="-342900" algn="l">
@@ -17415,14 +17378,7 @@
                 <a:latin typeface=""/>
                 <a:cs typeface=""/>
               </a:rPr>
-              <a:t>, </a:t>
-            </a:r>
-            <a:r>
-              <a:rPr lang="en-US" sz="1800" dirty="0" smtClean="0">
-                <a:latin typeface=""/>
-                <a:cs typeface=""/>
-              </a:rPr>
-              <a:t>the learning rate, and subsampling percentage. </a:t>
+              <a:t>, the learning rate, and subsampling percentage. </a:t>
             </a:r>
           </a:p>
           <a:p>
@@ -17583,11 +17539,6 @@
               </a:rPr>
               <a:t>ENSEMBLE METHODS AND NEURAL NETWORKS</a:t>
             </a:r>
-            <a:endParaRPr lang="en-US" cap="none" dirty="0">
-              <a:latin typeface="PFDinTextCompPro-Bold" charset="0"/>
-              <a:ea typeface="ヒラギノ角ゴ ProN W3" charset="0"/>
-              <a:cs typeface="ヒラギノ角ゴ ProN W3" charset="0"/>
-            </a:endParaRPr>
           </a:p>
         </p:txBody>
       </p:sp>
@@ -21018,33 +20969,8 @@
                 <a:latin typeface=""/>
                 <a:cs typeface=""/>
               </a:rPr>
-              <a:t>Create a data pipeline that combines an unsupervised neural network with a logistic </a:t>
-            </a:r>
-            <a:r>
-              <a:rPr lang="en-US" sz="1800" dirty="0" smtClean="0">
-                <a:latin typeface=""/>
-                <a:cs typeface=""/>
-              </a:rPr>
-              <a:t>regression (really, you should be combining </a:t>
-            </a:r>
-            <a:r>
-              <a:rPr lang="en-US" sz="1800" dirty="0" smtClean="0">
-                <a:latin typeface=""/>
-                <a:cs typeface=""/>
-              </a:rPr>
-              <a:t>the neural net with a support vector machine, which we will learn in the next class)</a:t>
-            </a:r>
-            <a:r>
-              <a:rPr lang="en-US" sz="1800" dirty="0" smtClean="0">
-                <a:latin typeface=""/>
-                <a:cs typeface=""/>
-              </a:rPr>
-              <a:t>. </a:t>
-            </a:r>
-            <a:endParaRPr lang="en-US" sz="1800" dirty="0" smtClean="0">
-              <a:latin typeface=""/>
-              <a:cs typeface=""/>
-            </a:endParaRPr>
+              <a:t>Create a data pipeline that combines an unsupervised neural network with a logistic regression (really, you should be combining the neural net with a support vector machine, which we will learn in the next class). </a:t>
+            </a:r>
           </a:p>
           <a:p>
             <a:pPr marL="671513" lvl="1" indent="-342900" algn="l">
@@ -21155,11 +21081,7 @@
             </a:r>
             <a:r>
               <a:rPr lang="en-US" sz="6600" dirty="0" smtClean="0"/>
-              <a:t>. </a:t>
-            </a:r>
-            <a:r>
-              <a:rPr lang="en-US" sz="6600" dirty="0" smtClean="0"/>
-              <a:t>Ensemble methods overview</a:t>
+              <a:t>. Ensemble methods overview</a:t>
             </a:r>
             <a:endParaRPr lang="en-US" sz="6600" dirty="0"/>
           </a:p>
